--- a/Präsentation/2016.07.28 - Zwischenstand/Suchen in statischen Texten.pptx
+++ b/Präsentation/2016.07.28 - Zwischenstand/Suchen in statischen Texten.pptx
@@ -5,7 +5,7 @@
     <p:sldMasterId id="2147483648" r:id="rId1"/>
   </p:sldMasterIdLst>
   <p:notesMasterIdLst>
-    <p:notesMasterId r:id="rId13"/>
+    <p:notesMasterId r:id="rId14"/>
   </p:notesMasterIdLst>
   <p:sldIdLst>
     <p:sldId id="256" r:id="rId2"/>
@@ -17,8 +17,9 @@
     <p:sldId id="260" r:id="rId8"/>
     <p:sldId id="262" r:id="rId9"/>
     <p:sldId id="268" r:id="rId10"/>
-    <p:sldId id="263" r:id="rId11"/>
-    <p:sldId id="264" r:id="rId12"/>
+    <p:sldId id="269" r:id="rId11"/>
+    <p:sldId id="263" r:id="rId12"/>
+    <p:sldId id="264" r:id="rId13"/>
   </p:sldIdLst>
   <p:sldSz cx="12192000" cy="6858000"/>
   <p:notesSz cx="6858000" cy="9144000"/>
@@ -207,7 +208,7 @@
           <a:p>
             <a:fld id="{20EBA57A-BCE0-4983-99DA-2CACE89E46CC}" type="datetimeFigureOut">
               <a:rPr lang="de-DE" smtClean="0"/>
-              <a:t>27.07.2016</a:t>
+              <a:t>28.07.2016</a:t>
             </a:fld>
             <a:endParaRPr lang="de-DE"/>
           </a:p>
@@ -302,7 +303,6 @@
               <a:rPr lang="de-DE"/>
               <a:t>Fünfte Ebene</a:t>
             </a:r>
-            <a:endParaRPr lang="de-DE"/>
           </a:p>
         </p:txBody>
       </p:sp>
@@ -589,6 +589,371 @@
     <p:extLst>
       <p:ext uri="{BB962C8B-B14F-4D97-AF65-F5344CB8AC3E}">
         <p14:creationId xmlns:p14="http://schemas.microsoft.com/office/powerpoint/2010/main" val="2340656395"/>
+      </p:ext>
+    </p:extLst>
+  </p:cSld>
+  <p:clrMapOvr>
+    <a:masterClrMapping/>
+  </p:clrMapOvr>
+</p:notes>
+</file>
+
+<file path=ppt/notesSlides/notesSlide2.xml><?xml version="1.0" encoding="utf-8"?>
+<p:notes xmlns:a="http://schemas.openxmlformats.org/drawingml/2006/main" xmlns:r="http://schemas.openxmlformats.org/officeDocument/2006/relationships" xmlns:p="http://schemas.openxmlformats.org/presentationml/2006/main">
+  <p:cSld>
+    <p:spTree>
+      <p:nvGrpSpPr>
+        <p:cNvPr id="1" name=""/>
+        <p:cNvGrpSpPr/>
+        <p:nvPr/>
+      </p:nvGrpSpPr>
+      <p:grpSpPr>
+        <a:xfrm>
+          <a:off x="0" y="0"/>
+          <a:ext cx="0" cy="0"/>
+          <a:chOff x="0" y="0"/>
+          <a:chExt cx="0" cy="0"/>
+        </a:xfrm>
+      </p:grpSpPr>
+      <p:sp>
+        <p:nvSpPr>
+          <p:cNvPr id="2" name="Folienbildplatzhalter 1"/>
+          <p:cNvSpPr>
+            <a:spLocks noGrp="1" noRot="1" noChangeAspect="1"/>
+          </p:cNvSpPr>
+          <p:nvPr>
+            <p:ph type="sldImg"/>
+          </p:nvPr>
+        </p:nvSpPr>
+        <p:spPr/>
+      </p:sp>
+      <p:sp>
+        <p:nvSpPr>
+          <p:cNvPr id="3" name="Notizenplatzhalter 2"/>
+          <p:cNvSpPr>
+            <a:spLocks noGrp="1"/>
+          </p:cNvSpPr>
+          <p:nvPr>
+            <p:ph type="body" idx="1"/>
+          </p:nvPr>
+        </p:nvSpPr>
+        <p:spPr/>
+        <p:txBody>
+          <a:bodyPr/>
+          <a:lstStyle/>
+          <a:p>
+            <a:r>
+              <a:rPr lang="de-DE" dirty="0"/>
+              <a:t>Vorerst:</a:t>
+            </a:r>
+            <a:r>
+              <a:rPr lang="de-DE" baseline="0" dirty="0"/>
+              <a:t> Beschränkung auf eine Exakte Wortsuche (d.h. nur ganze Wörter Finden, Leerzeichen als </a:t>
+            </a:r>
+            <a:r>
+              <a:rPr lang="de-DE" baseline="0" dirty="0" err="1"/>
+              <a:t>Seperatoren</a:t>
+            </a:r>
+            <a:r>
+              <a:rPr lang="de-DE" baseline="0" dirty="0"/>
+              <a:t>, und Satzzeichen vernachlässigen)</a:t>
+            </a:r>
+          </a:p>
+          <a:p>
+            <a:r>
+              <a:rPr lang="de-DE" baseline="0" dirty="0" err="1"/>
+              <a:t>Ergebniss</a:t>
+            </a:r>
+            <a:r>
+              <a:rPr lang="de-DE" baseline="0" dirty="0"/>
+              <a:t>: Anzahl des Suchwortes in einem Text</a:t>
+            </a:r>
+          </a:p>
+          <a:p>
+            <a:endParaRPr lang="de-DE" baseline="0" dirty="0"/>
+          </a:p>
+          <a:p>
+            <a:r>
+              <a:rPr lang="de-DE" baseline="0" dirty="0"/>
+              <a:t>Optional: </a:t>
+            </a:r>
+            <a:r>
+              <a:rPr lang="de-DE" baseline="0" dirty="0" err="1"/>
+              <a:t>Jeh</a:t>
+            </a:r>
+            <a:r>
+              <a:rPr lang="de-DE" baseline="0" dirty="0"/>
+              <a:t> nach </a:t>
+            </a:r>
+            <a:r>
+              <a:rPr lang="de-DE" baseline="0" dirty="0" err="1"/>
+              <a:t>vortschritt</a:t>
+            </a:r>
+            <a:r>
+              <a:rPr lang="de-DE" baseline="0" dirty="0"/>
+              <a:t> und Zeitaufwand</a:t>
+            </a:r>
+          </a:p>
+          <a:p>
+            <a:r>
+              <a:rPr lang="de-DE" baseline="0" dirty="0"/>
+              <a:t>Ausgabe des Index im String</a:t>
+            </a:r>
+          </a:p>
+          <a:p>
+            <a:r>
+              <a:rPr lang="de-DE" baseline="0" dirty="0"/>
+              <a:t>Ausgabe des </a:t>
+            </a:r>
+            <a:r>
+              <a:rPr lang="de-DE" baseline="0" dirty="0" err="1"/>
+              <a:t>Ergebniss</a:t>
+            </a:r>
+            <a:r>
+              <a:rPr lang="de-DE" baseline="0" dirty="0"/>
+              <a:t> im Text</a:t>
+            </a:r>
+            <a:endParaRPr lang="de-DE" dirty="0"/>
+          </a:p>
+        </p:txBody>
+      </p:sp>
+      <p:sp>
+        <p:nvSpPr>
+          <p:cNvPr id="4" name="Foliennummernplatzhalter 3"/>
+          <p:cNvSpPr>
+            <a:spLocks noGrp="1"/>
+          </p:cNvSpPr>
+          <p:nvPr>
+            <p:ph type="sldNum" sz="quarter" idx="10"/>
+          </p:nvPr>
+        </p:nvSpPr>
+        <p:spPr/>
+        <p:txBody>
+          <a:bodyPr/>
+          <a:lstStyle/>
+          <a:p>
+            <a:fld id="{53B9B1EE-FC3C-4283-A3CD-FE7C93F351A4}" type="slidenum">
+              <a:rPr lang="de-DE" smtClean="0"/>
+              <a:t>7</a:t>
+            </a:fld>
+            <a:endParaRPr lang="de-DE"/>
+          </a:p>
+        </p:txBody>
+      </p:sp>
+    </p:spTree>
+    <p:extLst>
+      <p:ext uri="{BB962C8B-B14F-4D97-AF65-F5344CB8AC3E}">
+        <p14:creationId xmlns:p14="http://schemas.microsoft.com/office/powerpoint/2010/main" val="913391469"/>
+      </p:ext>
+    </p:extLst>
+  </p:cSld>
+  <p:clrMapOvr>
+    <a:masterClrMapping/>
+  </p:clrMapOvr>
+</p:notes>
+</file>
+
+<file path=ppt/notesSlides/notesSlide3.xml><?xml version="1.0" encoding="utf-8"?>
+<p:notes xmlns:a="http://schemas.openxmlformats.org/drawingml/2006/main" xmlns:r="http://schemas.openxmlformats.org/officeDocument/2006/relationships" xmlns:p="http://schemas.openxmlformats.org/presentationml/2006/main">
+  <p:cSld>
+    <p:spTree>
+      <p:nvGrpSpPr>
+        <p:cNvPr id="1" name=""/>
+        <p:cNvGrpSpPr/>
+        <p:nvPr/>
+      </p:nvGrpSpPr>
+      <p:grpSpPr>
+        <a:xfrm>
+          <a:off x="0" y="0"/>
+          <a:ext cx="0" cy="0"/>
+          <a:chOff x="0" y="0"/>
+          <a:chExt cx="0" cy="0"/>
+        </a:xfrm>
+      </p:grpSpPr>
+      <p:sp>
+        <p:nvSpPr>
+          <p:cNvPr id="2" name="Folienbildplatzhalter 1"/>
+          <p:cNvSpPr>
+            <a:spLocks noGrp="1" noRot="1" noChangeAspect="1"/>
+          </p:cNvSpPr>
+          <p:nvPr>
+            <p:ph type="sldImg"/>
+          </p:nvPr>
+        </p:nvSpPr>
+        <p:spPr/>
+      </p:sp>
+      <p:sp>
+        <p:nvSpPr>
+          <p:cNvPr id="3" name="Notizenplatzhalter 2"/>
+          <p:cNvSpPr>
+            <a:spLocks noGrp="1"/>
+          </p:cNvSpPr>
+          <p:nvPr>
+            <p:ph type="body" idx="1"/>
+          </p:nvPr>
+        </p:nvSpPr>
+        <p:spPr/>
+        <p:txBody>
+          <a:bodyPr/>
+          <a:lstStyle/>
+          <a:p>
+            <a:r>
+              <a:rPr lang="de-DE" dirty="0"/>
+              <a:t>Von</a:t>
+            </a:r>
+            <a:r>
+              <a:rPr lang="de-DE" baseline="0" dirty="0"/>
+              <a:t> Anfang an eine hohe Testabdeckung um Fehler schnell zu finden und zu Beheben</a:t>
+            </a:r>
+            <a:endParaRPr lang="de-DE" dirty="0"/>
+          </a:p>
+          <a:p>
+            <a:r>
+              <a:rPr lang="de-DE" dirty="0"/>
+              <a:t>Programm soll</a:t>
+            </a:r>
+            <a:r>
+              <a:rPr lang="de-DE" baseline="0" dirty="0"/>
+              <a:t> Worte eines Bestimmten Textes in Suffix-Bäume parsen. </a:t>
+            </a:r>
+          </a:p>
+        </p:txBody>
+      </p:sp>
+      <p:sp>
+        <p:nvSpPr>
+          <p:cNvPr id="4" name="Foliennummernplatzhalter 3"/>
+          <p:cNvSpPr>
+            <a:spLocks noGrp="1"/>
+          </p:cNvSpPr>
+          <p:nvPr>
+            <p:ph type="sldNum" sz="quarter" idx="10"/>
+          </p:nvPr>
+        </p:nvSpPr>
+        <p:spPr/>
+        <p:txBody>
+          <a:bodyPr/>
+          <a:lstStyle/>
+          <a:p>
+            <a:fld id="{53B9B1EE-FC3C-4283-A3CD-FE7C93F351A4}" type="slidenum">
+              <a:rPr lang="de-DE" smtClean="0"/>
+              <a:t>8</a:t>
+            </a:fld>
+            <a:endParaRPr lang="de-DE"/>
+          </a:p>
+        </p:txBody>
+      </p:sp>
+    </p:spTree>
+    <p:extLst>
+      <p:ext uri="{BB962C8B-B14F-4D97-AF65-F5344CB8AC3E}">
+        <p14:creationId xmlns:p14="http://schemas.microsoft.com/office/powerpoint/2010/main" val="2286190836"/>
+      </p:ext>
+    </p:extLst>
+  </p:cSld>
+  <p:clrMapOvr>
+    <a:masterClrMapping/>
+  </p:clrMapOvr>
+</p:notes>
+</file>
+
+<file path=ppt/notesSlides/notesSlide4.xml><?xml version="1.0" encoding="utf-8"?>
+<p:notes xmlns:a="http://schemas.openxmlformats.org/drawingml/2006/main" xmlns:r="http://schemas.openxmlformats.org/officeDocument/2006/relationships" xmlns:p="http://schemas.openxmlformats.org/presentationml/2006/main">
+  <p:cSld>
+    <p:spTree>
+      <p:nvGrpSpPr>
+        <p:cNvPr id="1" name=""/>
+        <p:cNvGrpSpPr/>
+        <p:nvPr/>
+      </p:nvGrpSpPr>
+      <p:grpSpPr>
+        <a:xfrm>
+          <a:off x="0" y="0"/>
+          <a:ext cx="0" cy="0"/>
+          <a:chOff x="0" y="0"/>
+          <a:chExt cx="0" cy="0"/>
+        </a:xfrm>
+      </p:grpSpPr>
+      <p:sp>
+        <p:nvSpPr>
+          <p:cNvPr id="2" name="Folienbildplatzhalter 1"/>
+          <p:cNvSpPr>
+            <a:spLocks noGrp="1" noRot="1" noChangeAspect="1"/>
+          </p:cNvSpPr>
+          <p:nvPr>
+            <p:ph type="sldImg"/>
+          </p:nvPr>
+        </p:nvSpPr>
+        <p:spPr/>
+      </p:sp>
+      <p:sp>
+        <p:nvSpPr>
+          <p:cNvPr id="3" name="Notizenplatzhalter 2"/>
+          <p:cNvSpPr>
+            <a:spLocks noGrp="1"/>
+          </p:cNvSpPr>
+          <p:nvPr>
+            <p:ph type="body" idx="1"/>
+          </p:nvPr>
+        </p:nvSpPr>
+        <p:spPr/>
+        <p:txBody>
+          <a:bodyPr/>
+          <a:lstStyle/>
+          <a:p>
+            <a:r>
+              <a:rPr lang="de-DE" baseline="0" dirty="0"/>
+              <a:t>Durch diese Bäume können schnelle Suchalgorithmen realisiert werden </a:t>
+            </a:r>
+          </a:p>
+          <a:p>
+            <a:r>
+              <a:rPr lang="de-DE" baseline="0" dirty="0"/>
+              <a:t>z.B. 	Wortlänge != Blätterzahl der Bäume</a:t>
+            </a:r>
+          </a:p>
+          <a:p>
+            <a:r>
+              <a:rPr lang="de-DE" baseline="0" dirty="0"/>
+              <a:t>	Wortvergleich von Hinten</a:t>
+            </a:r>
+          </a:p>
+          <a:p>
+            <a:r>
+              <a:rPr lang="de-DE" baseline="0" dirty="0"/>
+              <a:t>	Wörter müssen nicht linear durchsucht werden, denn sie sind als Suffix-Bäume vorhanden</a:t>
+            </a:r>
+          </a:p>
+          <a:p>
+            <a:endParaRPr lang="de-DE" dirty="0"/>
+          </a:p>
+        </p:txBody>
+      </p:sp>
+      <p:sp>
+        <p:nvSpPr>
+          <p:cNvPr id="4" name="Foliennummernplatzhalter 3"/>
+          <p:cNvSpPr>
+            <a:spLocks noGrp="1"/>
+          </p:cNvSpPr>
+          <p:nvPr>
+            <p:ph type="sldNum" sz="quarter" idx="10"/>
+          </p:nvPr>
+        </p:nvSpPr>
+        <p:spPr/>
+        <p:txBody>
+          <a:bodyPr/>
+          <a:lstStyle/>
+          <a:p>
+            <a:fld id="{53B9B1EE-FC3C-4283-A3CD-FE7C93F351A4}" type="slidenum">
+              <a:rPr lang="de-DE" smtClean="0"/>
+              <a:t>9</a:t>
+            </a:fld>
+            <a:endParaRPr lang="de-DE"/>
+          </a:p>
+        </p:txBody>
+      </p:sp>
+    </p:spTree>
+    <p:extLst>
+      <p:ext uri="{BB962C8B-B14F-4D97-AF65-F5344CB8AC3E}">
+        <p14:creationId xmlns:p14="http://schemas.microsoft.com/office/powerpoint/2010/main" val="200609504"/>
       </p:ext>
     </p:extLst>
   </p:cSld>
@@ -1101,7 +1466,7 @@
             <a:fld id="{B61BEF0D-F0BB-DE4B-95CE-6DB70DBA9567}" type="datetimeFigureOut">
               <a:rPr lang="en-US" dirty="0"/>
               <a:pPr/>
-              <a:t>7/27/2016</a:t>
+              <a:t>7/28/2016</a:t>
             </a:fld>
             <a:endParaRPr lang="en-US" dirty="0"/>
           </a:p>
@@ -1394,7 +1759,7 @@
             <a:fld id="{B61BEF0D-F0BB-DE4B-95CE-6DB70DBA9567}" type="datetimeFigureOut">
               <a:rPr lang="en-US" dirty="0"/>
               <a:pPr/>
-              <a:t>7/27/2016</a:t>
+              <a:t>7/28/2016</a:t>
             </a:fld>
             <a:endParaRPr lang="en-US" dirty="0"/>
           </a:p>
@@ -1639,7 +2004,7 @@
             <a:fld id="{B61BEF0D-F0BB-DE4B-95CE-6DB70DBA9567}" type="datetimeFigureOut">
               <a:rPr lang="en-US" dirty="0"/>
               <a:pPr/>
-              <a:t>7/27/2016</a:t>
+              <a:t>7/28/2016</a:t>
             </a:fld>
             <a:endParaRPr lang="en-US" dirty="0"/>
           </a:p>
@@ -2176,7 +2541,7 @@
             <a:fld id="{B61BEF0D-F0BB-DE4B-95CE-6DB70DBA9567}" type="datetimeFigureOut">
               <a:rPr lang="en-US" dirty="0"/>
               <a:pPr/>
-              <a:t>7/27/2016</a:t>
+              <a:t>7/28/2016</a:t>
             </a:fld>
             <a:endParaRPr lang="en-US" dirty="0"/>
           </a:p>
@@ -2421,7 +2786,7 @@
             <a:fld id="{B61BEF0D-F0BB-DE4B-95CE-6DB70DBA9567}" type="datetimeFigureOut">
               <a:rPr lang="en-US" dirty="0"/>
               <a:pPr/>
-              <a:t>7/27/2016</a:t>
+              <a:t>7/28/2016</a:t>
             </a:fld>
             <a:endParaRPr lang="en-US" dirty="0"/>
           </a:p>
@@ -2950,7 +3315,7 @@
             <a:fld id="{B61BEF0D-F0BB-DE4B-95CE-6DB70DBA9567}" type="datetimeFigureOut">
               <a:rPr lang="en-US" dirty="0"/>
               <a:pPr/>
-              <a:t>7/27/2016</a:t>
+              <a:t>7/28/2016</a:t>
             </a:fld>
             <a:endParaRPr lang="en-US" dirty="0"/>
           </a:p>
@@ -3244,7 +3609,7 @@
             <a:fld id="{B61BEF0D-F0BB-DE4B-95CE-6DB70DBA9567}" type="datetimeFigureOut">
               <a:rPr lang="en-US" dirty="0"/>
               <a:pPr/>
-              <a:t>7/27/2016</a:t>
+              <a:t>7/28/2016</a:t>
             </a:fld>
             <a:endParaRPr lang="en-US" dirty="0"/>
           </a:p>
@@ -3415,7 +3780,7 @@
             <a:fld id="{B61BEF0D-F0BB-DE4B-95CE-6DB70DBA9567}" type="datetimeFigureOut">
               <a:rPr lang="en-US" dirty="0"/>
               <a:pPr/>
-              <a:t>7/27/2016</a:t>
+              <a:t>7/28/2016</a:t>
             </a:fld>
             <a:endParaRPr lang="en-US" dirty="0"/>
           </a:p>
@@ -3592,7 +3957,7 @@
             <a:fld id="{B61BEF0D-F0BB-DE4B-95CE-6DB70DBA9567}" type="datetimeFigureOut">
               <a:rPr lang="en-US" dirty="0"/>
               <a:pPr/>
-              <a:t>7/27/2016</a:t>
+              <a:t>7/28/2016</a:t>
             </a:fld>
             <a:endParaRPr lang="en-US" dirty="0"/>
           </a:p>
@@ -3764,7 +4129,7 @@
             <a:fld id="{B61BEF0D-F0BB-DE4B-95CE-6DB70DBA9567}" type="datetimeFigureOut">
               <a:rPr lang="en-US" dirty="0"/>
               <a:pPr/>
-              <a:t>7/27/2016</a:t>
+              <a:t>7/28/2016</a:t>
             </a:fld>
             <a:endParaRPr lang="en-US" dirty="0"/>
           </a:p>
@@ -4012,7 +4377,7 @@
             <a:fld id="{B61BEF0D-F0BB-DE4B-95CE-6DB70DBA9567}" type="datetimeFigureOut">
               <a:rPr lang="en-US" dirty="0"/>
               <a:pPr/>
-              <a:t>7/27/2016</a:t>
+              <a:t>7/28/2016</a:t>
             </a:fld>
             <a:endParaRPr lang="en-US" dirty="0"/>
           </a:p>
@@ -4306,7 +4671,7 @@
             <a:fld id="{B61BEF0D-F0BB-DE4B-95CE-6DB70DBA9567}" type="datetimeFigureOut">
               <a:rPr lang="en-US" dirty="0"/>
               <a:pPr/>
-              <a:t>7/27/2016</a:t>
+              <a:t>7/28/2016</a:t>
             </a:fld>
             <a:endParaRPr lang="en-US" dirty="0"/>
           </a:p>
@@ -4745,7 +5110,7 @@
             <a:fld id="{B61BEF0D-F0BB-DE4B-95CE-6DB70DBA9567}" type="datetimeFigureOut">
               <a:rPr lang="en-US" dirty="0"/>
               <a:pPr/>
-              <a:t>7/27/2016</a:t>
+              <a:t>7/28/2016</a:t>
             </a:fld>
             <a:endParaRPr lang="en-US" dirty="0"/>
           </a:p>
@@ -4860,7 +5225,7 @@
             <a:fld id="{B61BEF0D-F0BB-DE4B-95CE-6DB70DBA9567}" type="datetimeFigureOut">
               <a:rPr lang="en-US" dirty="0"/>
               <a:pPr/>
-              <a:t>7/27/2016</a:t>
+              <a:t>7/28/2016</a:t>
             </a:fld>
             <a:endParaRPr lang="en-US" dirty="0"/>
           </a:p>
@@ -4952,7 +5317,7 @@
             <a:fld id="{B61BEF0D-F0BB-DE4B-95CE-6DB70DBA9567}" type="datetimeFigureOut">
               <a:rPr lang="en-US" dirty="0"/>
               <a:pPr/>
-              <a:t>7/27/2016</a:t>
+              <a:t>7/28/2016</a:t>
             </a:fld>
             <a:endParaRPr lang="en-US" dirty="0"/>
           </a:p>
@@ -5232,7 +5597,7 @@
             <a:fld id="{B61BEF0D-F0BB-DE4B-95CE-6DB70DBA9567}" type="datetimeFigureOut">
               <a:rPr lang="en-US" dirty="0"/>
               <a:pPr/>
-              <a:t>7/27/2016</a:t>
+              <a:t>7/28/2016</a:t>
             </a:fld>
             <a:endParaRPr lang="en-US" dirty="0"/>
           </a:p>
@@ -5520,7 +5885,7 @@
             <a:fld id="{B61BEF0D-F0BB-DE4B-95CE-6DB70DBA9567}" type="datetimeFigureOut">
               <a:rPr lang="en-US" dirty="0"/>
               <a:pPr/>
-              <a:t>7/27/2016</a:t>
+              <a:t>7/28/2016</a:t>
             </a:fld>
             <a:endParaRPr lang="en-US" dirty="0"/>
           </a:p>
@@ -6047,7 +6412,7 @@
             <a:fld id="{B61BEF0D-F0BB-DE4B-95CE-6DB70DBA9567}" type="datetimeFigureOut">
               <a:rPr lang="en-US" dirty="0"/>
               <a:pPr/>
-              <a:t>7/27/2016</a:t>
+              <a:t>7/28/2016</a:t>
             </a:fld>
             <a:endParaRPr lang="en-US" dirty="0"/>
           </a:p>
@@ -6666,6 +7031,80 @@
           <a:chExt cx="0" cy="0"/>
         </a:xfrm>
       </p:grpSpPr>
+      <p:sp>
+        <p:nvSpPr>
+          <p:cNvPr id="2" name="Titel 1"/>
+          <p:cNvSpPr>
+            <a:spLocks noGrp="1"/>
+          </p:cNvSpPr>
+          <p:nvPr>
+            <p:ph type="title"/>
+          </p:nvPr>
+        </p:nvSpPr>
+        <p:spPr/>
+        <p:txBody>
+          <a:bodyPr/>
+          <a:lstStyle/>
+          <a:p>
+            <a:r>
+              <a:rPr lang="de-DE" dirty="0"/>
+              <a:t>Aktueller Stand</a:t>
+            </a:r>
+          </a:p>
+        </p:txBody>
+      </p:sp>
+      <p:sp>
+        <p:nvSpPr>
+          <p:cNvPr id="3" name="Inhaltsplatzhalter 2"/>
+          <p:cNvSpPr>
+            <a:spLocks noGrp="1"/>
+          </p:cNvSpPr>
+          <p:nvPr>
+            <p:ph idx="1"/>
+          </p:nvPr>
+        </p:nvSpPr>
+        <p:spPr/>
+        <p:txBody>
+          <a:bodyPr/>
+          <a:lstStyle/>
+          <a:p>
+            <a:r>
+              <a:rPr lang="de-DE" dirty="0"/>
+              <a:t>AAAABBELE</a:t>
+            </a:r>
+          </a:p>
+        </p:txBody>
+      </p:sp>
+    </p:spTree>
+    <p:extLst>
+      <p:ext uri="{BB962C8B-B14F-4D97-AF65-F5344CB8AC3E}">
+        <p14:creationId xmlns:p14="http://schemas.microsoft.com/office/powerpoint/2010/main" val="3622471325"/>
+      </p:ext>
+    </p:extLst>
+  </p:cSld>
+  <p:clrMapOvr>
+    <a:masterClrMapping/>
+  </p:clrMapOvr>
+</p:sld>
+</file>
+
+<file path=ppt/slides/slide11.xml><?xml version="1.0" encoding="utf-8"?>
+<p:sld xmlns:a="http://schemas.openxmlformats.org/drawingml/2006/main" xmlns:r="http://schemas.openxmlformats.org/officeDocument/2006/relationships" xmlns:p="http://schemas.openxmlformats.org/presentationml/2006/main">
+  <p:cSld>
+    <p:spTree>
+      <p:nvGrpSpPr>
+        <p:cNvPr id="1" name=""/>
+        <p:cNvGrpSpPr/>
+        <p:nvPr/>
+      </p:nvGrpSpPr>
+      <p:grpSpPr>
+        <a:xfrm>
+          <a:off x="0" y="0"/>
+          <a:ext cx="0" cy="0"/>
+          <a:chOff x="0" y="0"/>
+          <a:chExt cx="0" cy="0"/>
+        </a:xfrm>
+      </p:grpSpPr>
       <p:pic>
         <p:nvPicPr>
           <p:cNvPr id="4" name="Inhaltsplatzhalter 3"/>
@@ -6727,7 +7166,7 @@
 </p:sld>
 </file>
 
-<file path=ppt/slides/slide11.xml><?xml version="1.0" encoding="utf-8"?>
+<file path=ppt/slides/slide12.xml><?xml version="1.0" encoding="utf-8"?>
 <p:sld xmlns:a="http://schemas.openxmlformats.org/drawingml/2006/main" xmlns:r="http://schemas.openxmlformats.org/officeDocument/2006/relationships" xmlns:p="http://schemas.openxmlformats.org/presentationml/2006/main">
   <p:cSld>
     <p:spTree>
@@ -7497,6 +7936,12 @@
           <a:p>
             <a:r>
               <a:rPr lang="de-DE" dirty="0"/>
+              <a:t>Hohe Testabdeckung</a:t>
+            </a:r>
+          </a:p>
+          <a:p>
+            <a:r>
+              <a:rPr lang="de-DE" dirty="0"/>
               <a:t>Suffix-Baum als Datenstruktur</a:t>
             </a:r>
           </a:p>
@@ -7504,12 +7949,6 @@
             <a:r>
               <a:rPr lang="de-DE" dirty="0"/>
               <a:t>Schneller Suchalgorithmus</a:t>
-            </a:r>
-          </a:p>
-          <a:p>
-            <a:r>
-              <a:rPr lang="de-DE" dirty="0"/>
-              <a:t>Hohe Testabdeckung</a:t>
             </a:r>
           </a:p>
         </p:txBody>

--- a/Präsentation/2016.07.28 - Zwischenstand/Suchen in statischen Texten.pptx
+++ b/Präsentation/2016.07.28 - Zwischenstand/Suchen in statischen Texten.pptx
@@ -7063,14 +7063,84 @@
             <p:ph idx="1"/>
           </p:nvPr>
         </p:nvSpPr>
-        <p:spPr/>
-        <p:txBody>
-          <a:bodyPr/>
+        <p:spPr>
+          <a:xfrm>
+            <a:off x="2572279" y="1845733"/>
+            <a:ext cx="8930744" cy="4250267"/>
+          </a:xfrm>
+        </p:spPr>
+        <p:txBody>
+          <a:bodyPr>
+            <a:normAutofit/>
+          </a:bodyPr>
           <a:lstStyle/>
           <a:p>
             <a:r>
               <a:rPr lang="de-DE" dirty="0"/>
-              <a:t>AAAABBELE</a:t>
+              <a:t>Travis-CI kann das Projekt per </a:t>
+            </a:r>
+            <a:r>
+              <a:rPr lang="de-DE" dirty="0" err="1"/>
+              <a:t>Cmake</a:t>
+            </a:r>
+            <a:r>
+              <a:rPr lang="de-DE" dirty="0"/>
+              <a:t> </a:t>
+            </a:r>
+            <a:r>
+              <a:rPr lang="de-DE" dirty="0" err="1"/>
+              <a:t>compilieren</a:t>
+            </a:r>
+            <a:r>
+              <a:rPr lang="de-DE" dirty="0"/>
+              <a:t> und starten</a:t>
+            </a:r>
+          </a:p>
+          <a:p>
+            <a:r>
+              <a:rPr lang="de-DE" dirty="0"/>
+              <a:t>Erste Version des Suffix-Baumes ist fertig</a:t>
+            </a:r>
+          </a:p>
+          <a:p>
+            <a:r>
+              <a:rPr lang="de-DE" dirty="0"/>
+              <a:t>Momentan: Einlesen des Textes, sowie Umwandlung in gewünschte Form</a:t>
+            </a:r>
+          </a:p>
+          <a:p>
+            <a:r>
+              <a:rPr lang="de-DE" dirty="0"/>
+              <a:t>Demnächst: </a:t>
+            </a:r>
+          </a:p>
+          <a:p>
+            <a:pPr lvl="1"/>
+            <a:r>
+              <a:rPr lang="de-DE" dirty="0"/>
+              <a:t>Steuerung per </a:t>
+            </a:r>
+            <a:r>
+              <a:rPr lang="de-DE" dirty="0" err="1"/>
+              <a:t>cmd</a:t>
+            </a:r>
+            <a:r>
+              <a:rPr lang="de-DE" dirty="0"/>
+              <a:t>/GUI</a:t>
+            </a:r>
+          </a:p>
+          <a:p>
+            <a:pPr lvl="1"/>
+            <a:r>
+              <a:rPr lang="de-DE" dirty="0"/>
+              <a:t>Andere Suchvarianten</a:t>
+            </a:r>
+          </a:p>
+          <a:p>
+            <a:pPr lvl="1"/>
+            <a:r>
+              <a:rPr lang="de-DE" dirty="0"/>
+              <a:t>Unit Tests</a:t>
             </a:r>
           </a:p>
         </p:txBody>

--- a/Präsentation/2016.07.28 - Zwischenstand/Suchen in statischen Texten.pptx
+++ b/Präsentation/2016.07.28 - Zwischenstand/Suchen in statischen Texten.pptx
@@ -6988,7 +6988,7 @@
           <a:p>
             <a:r>
               <a:rPr lang="de-DE" dirty="0"/>
-              <a:t>Tim Müller – Dominik </a:t>
+              <a:t>Moritz Port – Dominik </a:t>
             </a:r>
             <a:r>
               <a:rPr lang="de-DE" dirty="0" err="1"/>
@@ -6996,7 +6996,7 @@
             </a:r>
             <a:r>
               <a:rPr lang="de-DE" dirty="0"/>
-              <a:t> – Florian Abele – Moritz Port</a:t>
+              <a:t> –  Tim Müller –  Florian Abele</a:t>
             </a:r>
           </a:p>
         </p:txBody>
@@ -7085,15 +7085,7 @@
             </a:r>
             <a:r>
               <a:rPr lang="de-DE" dirty="0"/>
-              <a:t> </a:t>
-            </a:r>
-            <a:r>
-              <a:rPr lang="de-DE" dirty="0" err="1"/>
-              <a:t>compilieren</a:t>
-            </a:r>
-            <a:r>
-              <a:rPr lang="de-DE" dirty="0"/>
-              <a:t> und starten</a:t>
+              <a:t> kompilieren und starten</a:t>
             </a:r>
           </a:p>
           <a:p>
@@ -7606,13 +7598,13 @@
           <a:p>
             <a:r>
               <a:rPr lang="de-DE" dirty="0"/>
+              <a:t>Gerichteter Baum </a:t>
+            </a:r>
+          </a:p>
+          <a:p>
+            <a:r>
+              <a:rPr lang="de-DE" dirty="0"/>
               <a:t>Speichert alle Suffixe</a:t>
-            </a:r>
-          </a:p>
-          <a:p>
-            <a:r>
-              <a:rPr lang="de-DE" dirty="0"/>
-              <a:t>Gerichteter Baum </a:t>
             </a:r>
           </a:p>
           <a:p>
